--- a/14_extratask/00_BookNow/レッスン14_課題①.pptx
+++ b/14_extratask/00_BookNow/レッスン14_課題①.pptx
@@ -5,7 +5,7 @@
     <p:sldMasterId id="2147483648" r:id="rId1"/>
   </p:sldMasterIdLst>
   <p:sldIdLst>
-    <p:sldId id="256" r:id="rId2"/>
+    <p:sldId id="257" r:id="rId2"/>
     <p:sldId id="261" r:id="rId3"/>
     <p:sldId id="262" r:id="rId4"/>
   </p:sldIdLst>
@@ -131,7 +131,7 @@
           <p:cNvPr id="2" name="タイトル 1">
             <a:extLst>
               <a:ext uri="{FF2B5EF4-FFF2-40B4-BE49-F238E27FC236}">
-                <a16:creationId xmlns:a16="http://schemas.microsoft.com/office/drawing/2014/main" id="{A2A79F4D-055B-C160-BDB8-4CF80A35AD32}"/>
+                <a16:creationId xmlns:a16="http://schemas.microsoft.com/office/drawing/2014/main" id="{D604E18F-C888-3608-F60C-0F111C867BF4}"/>
               </a:ext>
             </a:extLst>
           </p:cNvPr>
@@ -168,7 +168,7 @@
           <p:cNvPr id="3" name="字幕 2">
             <a:extLst>
               <a:ext uri="{FF2B5EF4-FFF2-40B4-BE49-F238E27FC236}">
-                <a16:creationId xmlns:a16="http://schemas.microsoft.com/office/drawing/2014/main" id="{EA43A277-3E09-2D43-5E8E-6644836A29D7}"/>
+                <a16:creationId xmlns:a16="http://schemas.microsoft.com/office/drawing/2014/main" id="{6B3A4BDB-F8CA-7E6B-D7F3-AFBF1F6F4806}"/>
               </a:ext>
             </a:extLst>
           </p:cNvPr>
@@ -238,7 +238,7 @@
           <p:cNvPr id="4" name="日付プレースホルダー 3">
             <a:extLst>
               <a:ext uri="{FF2B5EF4-FFF2-40B4-BE49-F238E27FC236}">
-                <a16:creationId xmlns:a16="http://schemas.microsoft.com/office/drawing/2014/main" id="{4D8C4906-AFE9-C85A-A8A7-56A2D4366435}"/>
+                <a16:creationId xmlns:a16="http://schemas.microsoft.com/office/drawing/2014/main" id="{6A67BE34-8AFA-2EBB-D039-AEF77A2FBADB}"/>
               </a:ext>
             </a:extLst>
           </p:cNvPr>
@@ -254,9 +254,9 @@
           <a:bodyPr/>
           <a:lstStyle/>
           <a:p>
-            <a:fld id="{778D7887-9ACC-42A2-A6F2-847F47B3887B}" type="datetimeFigureOut">
+            <a:fld id="{252E7D99-42D8-45B1-82CF-6E50710AA797}" type="datetimeFigureOut">
               <a:rPr kumimoji="1" lang="ja-JP" altLang="en-US" smtClean="0"/>
-              <a:t>2025/6/17</a:t>
+              <a:t>2025/6/20</a:t>
             </a:fld>
             <a:endParaRPr kumimoji="1" lang="ja-JP" altLang="en-US"/>
           </a:p>
@@ -267,7 +267,7 @@
           <p:cNvPr id="5" name="フッター プレースホルダー 4">
             <a:extLst>
               <a:ext uri="{FF2B5EF4-FFF2-40B4-BE49-F238E27FC236}">
-                <a16:creationId xmlns:a16="http://schemas.microsoft.com/office/drawing/2014/main" id="{0AF2B531-B5F8-A6BD-3E58-2037D0AE0CBC}"/>
+                <a16:creationId xmlns:a16="http://schemas.microsoft.com/office/drawing/2014/main" id="{318E3030-1914-F31B-B80D-51DF9E6495C1}"/>
               </a:ext>
             </a:extLst>
           </p:cNvPr>
@@ -292,7 +292,7 @@
           <p:cNvPr id="6" name="スライド番号プレースホルダー 5">
             <a:extLst>
               <a:ext uri="{FF2B5EF4-FFF2-40B4-BE49-F238E27FC236}">
-                <a16:creationId xmlns:a16="http://schemas.microsoft.com/office/drawing/2014/main" id="{CCE36A46-91BD-FFB3-FFF1-3F940308A344}"/>
+                <a16:creationId xmlns:a16="http://schemas.microsoft.com/office/drawing/2014/main" id="{B9C8DFAD-1E0D-C963-F56D-1D9DBD9B5156}"/>
               </a:ext>
             </a:extLst>
           </p:cNvPr>
@@ -308,7 +308,7 @@
           <a:bodyPr/>
           <a:lstStyle/>
           <a:p>
-            <a:fld id="{293411CC-6002-42BB-AF2C-7725BA7AC16D}" type="slidenum">
+            <a:fld id="{8C11412F-783C-46D4-8E3C-834E56C4CF11}" type="slidenum">
               <a:rPr kumimoji="1" lang="ja-JP" altLang="en-US" smtClean="0"/>
               <a:t>‹#›</a:t>
             </a:fld>
@@ -319,7 +319,7 @@
     </p:spTree>
     <p:extLst>
       <p:ext uri="{BB962C8B-B14F-4D97-AF65-F5344CB8AC3E}">
-        <p14:creationId xmlns:p14="http://schemas.microsoft.com/office/powerpoint/2010/main" val="812248062"/>
+        <p14:creationId xmlns:p14="http://schemas.microsoft.com/office/powerpoint/2010/main" val="2613097343"/>
       </p:ext>
     </p:extLst>
   </p:cSld>
@@ -351,7 +351,7 @@
           <p:cNvPr id="2" name="タイトル 1">
             <a:extLst>
               <a:ext uri="{FF2B5EF4-FFF2-40B4-BE49-F238E27FC236}">
-                <a16:creationId xmlns:a16="http://schemas.microsoft.com/office/drawing/2014/main" id="{86FDFF66-8768-6569-BD29-46AC61AFAE86}"/>
+                <a16:creationId xmlns:a16="http://schemas.microsoft.com/office/drawing/2014/main" id="{51440388-4765-6E6C-E26B-97ECE613ED50}"/>
               </a:ext>
             </a:extLst>
           </p:cNvPr>
@@ -379,7 +379,7 @@
           <p:cNvPr id="3" name="縦書きテキスト プレースホルダー 2">
             <a:extLst>
               <a:ext uri="{FF2B5EF4-FFF2-40B4-BE49-F238E27FC236}">
-                <a16:creationId xmlns:a16="http://schemas.microsoft.com/office/drawing/2014/main" id="{C321F6C9-6320-FFF9-0397-B14519726B0F}"/>
+                <a16:creationId xmlns:a16="http://schemas.microsoft.com/office/drawing/2014/main" id="{8C924C32-1960-781C-820F-2C63A04D567F}"/>
               </a:ext>
             </a:extLst>
           </p:cNvPr>
@@ -468,7 +468,7 @@
           <p:cNvPr id="4" name="日付プレースホルダー 3">
             <a:extLst>
               <a:ext uri="{FF2B5EF4-FFF2-40B4-BE49-F238E27FC236}">
-                <a16:creationId xmlns:a16="http://schemas.microsoft.com/office/drawing/2014/main" id="{610B9017-820F-4C42-458A-CFF012658D19}"/>
+                <a16:creationId xmlns:a16="http://schemas.microsoft.com/office/drawing/2014/main" id="{E061CEA9-0582-7322-2BE0-F62E1613F88A}"/>
               </a:ext>
             </a:extLst>
           </p:cNvPr>
@@ -484,9 +484,9 @@
           <a:bodyPr/>
           <a:lstStyle/>
           <a:p>
-            <a:fld id="{778D7887-9ACC-42A2-A6F2-847F47B3887B}" type="datetimeFigureOut">
+            <a:fld id="{252E7D99-42D8-45B1-82CF-6E50710AA797}" type="datetimeFigureOut">
               <a:rPr kumimoji="1" lang="ja-JP" altLang="en-US" smtClean="0"/>
-              <a:t>2025/6/17</a:t>
+              <a:t>2025/6/20</a:t>
             </a:fld>
             <a:endParaRPr kumimoji="1" lang="ja-JP" altLang="en-US"/>
           </a:p>
@@ -497,7 +497,7 @@
           <p:cNvPr id="5" name="フッター プレースホルダー 4">
             <a:extLst>
               <a:ext uri="{FF2B5EF4-FFF2-40B4-BE49-F238E27FC236}">
-                <a16:creationId xmlns:a16="http://schemas.microsoft.com/office/drawing/2014/main" id="{CEEC557B-D106-CC35-4BBB-2E38ADB92031}"/>
+                <a16:creationId xmlns:a16="http://schemas.microsoft.com/office/drawing/2014/main" id="{1B5DDA0C-E508-5C00-1613-1901A8C2BDB7}"/>
               </a:ext>
             </a:extLst>
           </p:cNvPr>
@@ -522,7 +522,7 @@
           <p:cNvPr id="6" name="スライド番号プレースホルダー 5">
             <a:extLst>
               <a:ext uri="{FF2B5EF4-FFF2-40B4-BE49-F238E27FC236}">
-                <a16:creationId xmlns:a16="http://schemas.microsoft.com/office/drawing/2014/main" id="{C3734FA1-9F7C-0B49-86D6-CB1028C07B25}"/>
+                <a16:creationId xmlns:a16="http://schemas.microsoft.com/office/drawing/2014/main" id="{34963B07-131A-0F6B-F024-45706922827B}"/>
               </a:ext>
             </a:extLst>
           </p:cNvPr>
@@ -538,7 +538,7 @@
           <a:bodyPr/>
           <a:lstStyle/>
           <a:p>
-            <a:fld id="{293411CC-6002-42BB-AF2C-7725BA7AC16D}" type="slidenum">
+            <a:fld id="{8C11412F-783C-46D4-8E3C-834E56C4CF11}" type="slidenum">
               <a:rPr kumimoji="1" lang="ja-JP" altLang="en-US" smtClean="0"/>
               <a:t>‹#›</a:t>
             </a:fld>
@@ -549,7 +549,7 @@
     </p:spTree>
     <p:extLst>
       <p:ext uri="{BB962C8B-B14F-4D97-AF65-F5344CB8AC3E}">
-        <p14:creationId xmlns:p14="http://schemas.microsoft.com/office/powerpoint/2010/main" val="1199452194"/>
+        <p14:creationId xmlns:p14="http://schemas.microsoft.com/office/powerpoint/2010/main" val="561337888"/>
       </p:ext>
     </p:extLst>
   </p:cSld>
@@ -581,7 +581,7 @@
           <p:cNvPr id="2" name="縦書きタイトル 1">
             <a:extLst>
               <a:ext uri="{FF2B5EF4-FFF2-40B4-BE49-F238E27FC236}">
-                <a16:creationId xmlns:a16="http://schemas.microsoft.com/office/drawing/2014/main" id="{D69BA3FE-2207-2315-8F17-19B3F43B2458}"/>
+                <a16:creationId xmlns:a16="http://schemas.microsoft.com/office/drawing/2014/main" id="{C3BAD21E-8898-9526-925B-88EB5995E05A}"/>
               </a:ext>
             </a:extLst>
           </p:cNvPr>
@@ -614,7 +614,7 @@
           <p:cNvPr id="3" name="縦書きテキスト プレースホルダー 2">
             <a:extLst>
               <a:ext uri="{FF2B5EF4-FFF2-40B4-BE49-F238E27FC236}">
-                <a16:creationId xmlns:a16="http://schemas.microsoft.com/office/drawing/2014/main" id="{6BF64968-F807-DD20-CF74-203DEE976BB1}"/>
+                <a16:creationId xmlns:a16="http://schemas.microsoft.com/office/drawing/2014/main" id="{B5FFC246-BC44-EAC1-EBBD-0A51EBFC8303}"/>
               </a:ext>
             </a:extLst>
           </p:cNvPr>
@@ -708,7 +708,7 @@
           <p:cNvPr id="4" name="日付プレースホルダー 3">
             <a:extLst>
               <a:ext uri="{FF2B5EF4-FFF2-40B4-BE49-F238E27FC236}">
-                <a16:creationId xmlns:a16="http://schemas.microsoft.com/office/drawing/2014/main" id="{E068D20C-959E-2EEF-5217-8906A0EF8CB6}"/>
+                <a16:creationId xmlns:a16="http://schemas.microsoft.com/office/drawing/2014/main" id="{C3C8B903-D88A-1D44-FE4C-08EF3F238514}"/>
               </a:ext>
             </a:extLst>
           </p:cNvPr>
@@ -724,9 +724,9 @@
           <a:bodyPr/>
           <a:lstStyle/>
           <a:p>
-            <a:fld id="{778D7887-9ACC-42A2-A6F2-847F47B3887B}" type="datetimeFigureOut">
+            <a:fld id="{252E7D99-42D8-45B1-82CF-6E50710AA797}" type="datetimeFigureOut">
               <a:rPr kumimoji="1" lang="ja-JP" altLang="en-US" smtClean="0"/>
-              <a:t>2025/6/17</a:t>
+              <a:t>2025/6/20</a:t>
             </a:fld>
             <a:endParaRPr kumimoji="1" lang="ja-JP" altLang="en-US"/>
           </a:p>
@@ -737,7 +737,7 @@
           <p:cNvPr id="5" name="フッター プレースホルダー 4">
             <a:extLst>
               <a:ext uri="{FF2B5EF4-FFF2-40B4-BE49-F238E27FC236}">
-                <a16:creationId xmlns:a16="http://schemas.microsoft.com/office/drawing/2014/main" id="{AE043037-5449-033D-ED08-6128DD0F874E}"/>
+                <a16:creationId xmlns:a16="http://schemas.microsoft.com/office/drawing/2014/main" id="{1A25ED9A-9946-B002-377D-604BA47162D9}"/>
               </a:ext>
             </a:extLst>
           </p:cNvPr>
@@ -762,7 +762,7 @@
           <p:cNvPr id="6" name="スライド番号プレースホルダー 5">
             <a:extLst>
               <a:ext uri="{FF2B5EF4-FFF2-40B4-BE49-F238E27FC236}">
-                <a16:creationId xmlns:a16="http://schemas.microsoft.com/office/drawing/2014/main" id="{00A66EC7-B7B5-60A0-641F-4F646FF5F8BC}"/>
+                <a16:creationId xmlns:a16="http://schemas.microsoft.com/office/drawing/2014/main" id="{3270740A-B8BC-EDE7-90D6-9336EB7BB0F1}"/>
               </a:ext>
             </a:extLst>
           </p:cNvPr>
@@ -778,7 +778,7 @@
           <a:bodyPr/>
           <a:lstStyle/>
           <a:p>
-            <a:fld id="{293411CC-6002-42BB-AF2C-7725BA7AC16D}" type="slidenum">
+            <a:fld id="{8C11412F-783C-46D4-8E3C-834E56C4CF11}" type="slidenum">
               <a:rPr kumimoji="1" lang="ja-JP" altLang="en-US" smtClean="0"/>
               <a:t>‹#›</a:t>
             </a:fld>
@@ -789,7 +789,7 @@
     </p:spTree>
     <p:extLst>
       <p:ext uri="{BB962C8B-B14F-4D97-AF65-F5344CB8AC3E}">
-        <p14:creationId xmlns:p14="http://schemas.microsoft.com/office/powerpoint/2010/main" val="3449424113"/>
+        <p14:creationId xmlns:p14="http://schemas.microsoft.com/office/powerpoint/2010/main" val="4074967096"/>
       </p:ext>
     </p:extLst>
   </p:cSld>
@@ -821,7 +821,7 @@
           <p:cNvPr id="2" name="タイトル 1">
             <a:extLst>
               <a:ext uri="{FF2B5EF4-FFF2-40B4-BE49-F238E27FC236}">
-                <a16:creationId xmlns:a16="http://schemas.microsoft.com/office/drawing/2014/main" id="{B5D6B6E6-CCE8-3BE1-3A51-AF5809A898B2}"/>
+                <a16:creationId xmlns:a16="http://schemas.microsoft.com/office/drawing/2014/main" id="{BCA74E1A-64CA-7ED9-C847-040F5CAB5CAF}"/>
               </a:ext>
             </a:extLst>
           </p:cNvPr>
@@ -849,7 +849,7 @@
           <p:cNvPr id="3" name="コンテンツ プレースホルダー 2">
             <a:extLst>
               <a:ext uri="{FF2B5EF4-FFF2-40B4-BE49-F238E27FC236}">
-                <a16:creationId xmlns:a16="http://schemas.microsoft.com/office/drawing/2014/main" id="{BB0CFE98-155A-42CC-BCBB-2AD0D9FCCF4C}"/>
+                <a16:creationId xmlns:a16="http://schemas.microsoft.com/office/drawing/2014/main" id="{69C11E8C-AAAA-A2AF-CC6B-B52D8E627348}"/>
               </a:ext>
             </a:extLst>
           </p:cNvPr>
@@ -938,7 +938,7 @@
           <p:cNvPr id="4" name="日付プレースホルダー 3">
             <a:extLst>
               <a:ext uri="{FF2B5EF4-FFF2-40B4-BE49-F238E27FC236}">
-                <a16:creationId xmlns:a16="http://schemas.microsoft.com/office/drawing/2014/main" id="{A8E87695-B478-7D76-8ADB-D15F91FB14D7}"/>
+                <a16:creationId xmlns:a16="http://schemas.microsoft.com/office/drawing/2014/main" id="{B833FAE3-6E6E-68B4-6D6B-2E3ADB8A2605}"/>
               </a:ext>
             </a:extLst>
           </p:cNvPr>
@@ -954,9 +954,9 @@
           <a:bodyPr/>
           <a:lstStyle/>
           <a:p>
-            <a:fld id="{778D7887-9ACC-42A2-A6F2-847F47B3887B}" type="datetimeFigureOut">
+            <a:fld id="{252E7D99-42D8-45B1-82CF-6E50710AA797}" type="datetimeFigureOut">
               <a:rPr kumimoji="1" lang="ja-JP" altLang="en-US" smtClean="0"/>
-              <a:t>2025/6/17</a:t>
+              <a:t>2025/6/20</a:t>
             </a:fld>
             <a:endParaRPr kumimoji="1" lang="ja-JP" altLang="en-US"/>
           </a:p>
@@ -967,7 +967,7 @@
           <p:cNvPr id="5" name="フッター プレースホルダー 4">
             <a:extLst>
               <a:ext uri="{FF2B5EF4-FFF2-40B4-BE49-F238E27FC236}">
-                <a16:creationId xmlns:a16="http://schemas.microsoft.com/office/drawing/2014/main" id="{AE916B2D-FDAD-1835-A52C-BF0067D6DA4B}"/>
+                <a16:creationId xmlns:a16="http://schemas.microsoft.com/office/drawing/2014/main" id="{36D7D431-54EC-3A59-86E7-7DB157697F02}"/>
               </a:ext>
             </a:extLst>
           </p:cNvPr>
@@ -992,7 +992,7 @@
           <p:cNvPr id="6" name="スライド番号プレースホルダー 5">
             <a:extLst>
               <a:ext uri="{FF2B5EF4-FFF2-40B4-BE49-F238E27FC236}">
-                <a16:creationId xmlns:a16="http://schemas.microsoft.com/office/drawing/2014/main" id="{4EB2A396-65DA-2B5D-95A3-B0A50CAAB172}"/>
+                <a16:creationId xmlns:a16="http://schemas.microsoft.com/office/drawing/2014/main" id="{F1761699-D7C1-1EC4-DD56-CBE3E554F574}"/>
               </a:ext>
             </a:extLst>
           </p:cNvPr>
@@ -1008,7 +1008,7 @@
           <a:bodyPr/>
           <a:lstStyle/>
           <a:p>
-            <a:fld id="{293411CC-6002-42BB-AF2C-7725BA7AC16D}" type="slidenum">
+            <a:fld id="{8C11412F-783C-46D4-8E3C-834E56C4CF11}" type="slidenum">
               <a:rPr kumimoji="1" lang="ja-JP" altLang="en-US" smtClean="0"/>
               <a:t>‹#›</a:t>
             </a:fld>
@@ -1019,7 +1019,7 @@
     </p:spTree>
     <p:extLst>
       <p:ext uri="{BB962C8B-B14F-4D97-AF65-F5344CB8AC3E}">
-        <p14:creationId xmlns:p14="http://schemas.microsoft.com/office/powerpoint/2010/main" val="2229226988"/>
+        <p14:creationId xmlns:p14="http://schemas.microsoft.com/office/powerpoint/2010/main" val="3062015057"/>
       </p:ext>
     </p:extLst>
   </p:cSld>
@@ -1051,7 +1051,7 @@
           <p:cNvPr id="2" name="タイトル 1">
             <a:extLst>
               <a:ext uri="{FF2B5EF4-FFF2-40B4-BE49-F238E27FC236}">
-                <a16:creationId xmlns:a16="http://schemas.microsoft.com/office/drawing/2014/main" id="{D7744752-1FE1-B059-BB46-C2F98150B04A}"/>
+                <a16:creationId xmlns:a16="http://schemas.microsoft.com/office/drawing/2014/main" id="{EF4EADE7-C367-15E1-812E-6C52428888C1}"/>
               </a:ext>
             </a:extLst>
           </p:cNvPr>
@@ -1088,7 +1088,7 @@
           <p:cNvPr id="3" name="テキスト プレースホルダー 2">
             <a:extLst>
               <a:ext uri="{FF2B5EF4-FFF2-40B4-BE49-F238E27FC236}">
-                <a16:creationId xmlns:a16="http://schemas.microsoft.com/office/drawing/2014/main" id="{95F4F158-3D35-2AE2-5665-03DBA9AAD049}"/>
+                <a16:creationId xmlns:a16="http://schemas.microsoft.com/office/drawing/2014/main" id="{CFBE1C27-6674-A0DB-5A5E-2A16AD7038D5}"/>
               </a:ext>
             </a:extLst>
           </p:cNvPr>
@@ -1213,7 +1213,7 @@
           <p:cNvPr id="4" name="日付プレースホルダー 3">
             <a:extLst>
               <a:ext uri="{FF2B5EF4-FFF2-40B4-BE49-F238E27FC236}">
-                <a16:creationId xmlns:a16="http://schemas.microsoft.com/office/drawing/2014/main" id="{39A36A04-4C4A-8749-4B7E-379FC2F3B621}"/>
+                <a16:creationId xmlns:a16="http://schemas.microsoft.com/office/drawing/2014/main" id="{3421C3EF-42F2-A365-2D70-F4F795B272D8}"/>
               </a:ext>
             </a:extLst>
           </p:cNvPr>
@@ -1229,9 +1229,9 @@
           <a:bodyPr/>
           <a:lstStyle/>
           <a:p>
-            <a:fld id="{778D7887-9ACC-42A2-A6F2-847F47B3887B}" type="datetimeFigureOut">
+            <a:fld id="{252E7D99-42D8-45B1-82CF-6E50710AA797}" type="datetimeFigureOut">
               <a:rPr kumimoji="1" lang="ja-JP" altLang="en-US" smtClean="0"/>
-              <a:t>2025/6/17</a:t>
+              <a:t>2025/6/20</a:t>
             </a:fld>
             <a:endParaRPr kumimoji="1" lang="ja-JP" altLang="en-US"/>
           </a:p>
@@ -1242,7 +1242,7 @@
           <p:cNvPr id="5" name="フッター プレースホルダー 4">
             <a:extLst>
               <a:ext uri="{FF2B5EF4-FFF2-40B4-BE49-F238E27FC236}">
-                <a16:creationId xmlns:a16="http://schemas.microsoft.com/office/drawing/2014/main" id="{7486C82B-1D14-D88E-9D24-9C4426E91892}"/>
+                <a16:creationId xmlns:a16="http://schemas.microsoft.com/office/drawing/2014/main" id="{D5C7233B-A27D-CB48-3EE6-061D87BD57C7}"/>
               </a:ext>
             </a:extLst>
           </p:cNvPr>
@@ -1267,7 +1267,7 @@
           <p:cNvPr id="6" name="スライド番号プレースホルダー 5">
             <a:extLst>
               <a:ext uri="{FF2B5EF4-FFF2-40B4-BE49-F238E27FC236}">
-                <a16:creationId xmlns:a16="http://schemas.microsoft.com/office/drawing/2014/main" id="{791E56A9-F146-4873-9547-A82515FB0FB7}"/>
+                <a16:creationId xmlns:a16="http://schemas.microsoft.com/office/drawing/2014/main" id="{E95655D5-5905-B669-18F0-EFF403FB6729}"/>
               </a:ext>
             </a:extLst>
           </p:cNvPr>
@@ -1283,7 +1283,7 @@
           <a:bodyPr/>
           <a:lstStyle/>
           <a:p>
-            <a:fld id="{293411CC-6002-42BB-AF2C-7725BA7AC16D}" type="slidenum">
+            <a:fld id="{8C11412F-783C-46D4-8E3C-834E56C4CF11}" type="slidenum">
               <a:rPr kumimoji="1" lang="ja-JP" altLang="en-US" smtClean="0"/>
               <a:t>‹#›</a:t>
             </a:fld>
@@ -1294,7 +1294,7 @@
     </p:spTree>
     <p:extLst>
       <p:ext uri="{BB962C8B-B14F-4D97-AF65-F5344CB8AC3E}">
-        <p14:creationId xmlns:p14="http://schemas.microsoft.com/office/powerpoint/2010/main" val="1882881474"/>
+        <p14:creationId xmlns:p14="http://schemas.microsoft.com/office/powerpoint/2010/main" val="2431618648"/>
       </p:ext>
     </p:extLst>
   </p:cSld>
@@ -1326,7 +1326,7 @@
           <p:cNvPr id="2" name="タイトル 1">
             <a:extLst>
               <a:ext uri="{FF2B5EF4-FFF2-40B4-BE49-F238E27FC236}">
-                <a16:creationId xmlns:a16="http://schemas.microsoft.com/office/drawing/2014/main" id="{8B14BDA3-AA62-1ADB-70BD-7FCC3164854F}"/>
+                <a16:creationId xmlns:a16="http://schemas.microsoft.com/office/drawing/2014/main" id="{0F5C5F5E-843E-D2C4-11AE-E0E8E48732A2}"/>
               </a:ext>
             </a:extLst>
           </p:cNvPr>
@@ -1354,7 +1354,7 @@
           <p:cNvPr id="3" name="コンテンツ プレースホルダー 2">
             <a:extLst>
               <a:ext uri="{FF2B5EF4-FFF2-40B4-BE49-F238E27FC236}">
-                <a16:creationId xmlns:a16="http://schemas.microsoft.com/office/drawing/2014/main" id="{BF6ED4D1-2B1D-144D-D31B-A7399CCC0F01}"/>
+                <a16:creationId xmlns:a16="http://schemas.microsoft.com/office/drawing/2014/main" id="{238484A6-E09F-D990-54DC-7B48BD8AD612}"/>
               </a:ext>
             </a:extLst>
           </p:cNvPr>
@@ -1448,7 +1448,7 @@
           <p:cNvPr id="4" name="コンテンツ プレースホルダー 3">
             <a:extLst>
               <a:ext uri="{FF2B5EF4-FFF2-40B4-BE49-F238E27FC236}">
-                <a16:creationId xmlns:a16="http://schemas.microsoft.com/office/drawing/2014/main" id="{7CC5BB9A-92D8-2D2E-A967-3A265C3BE1A3}"/>
+                <a16:creationId xmlns:a16="http://schemas.microsoft.com/office/drawing/2014/main" id="{236EAE87-1528-FEBB-582D-C19E712D7C65}"/>
               </a:ext>
             </a:extLst>
           </p:cNvPr>
@@ -1542,7 +1542,7 @@
           <p:cNvPr id="5" name="日付プレースホルダー 4">
             <a:extLst>
               <a:ext uri="{FF2B5EF4-FFF2-40B4-BE49-F238E27FC236}">
-                <a16:creationId xmlns:a16="http://schemas.microsoft.com/office/drawing/2014/main" id="{748C5442-E191-C927-F468-2532A889005C}"/>
+                <a16:creationId xmlns:a16="http://schemas.microsoft.com/office/drawing/2014/main" id="{BA11851F-8C94-4FD3-5F13-84C3EF263BD6}"/>
               </a:ext>
             </a:extLst>
           </p:cNvPr>
@@ -1558,9 +1558,9 @@
           <a:bodyPr/>
           <a:lstStyle/>
           <a:p>
-            <a:fld id="{778D7887-9ACC-42A2-A6F2-847F47B3887B}" type="datetimeFigureOut">
+            <a:fld id="{252E7D99-42D8-45B1-82CF-6E50710AA797}" type="datetimeFigureOut">
               <a:rPr kumimoji="1" lang="ja-JP" altLang="en-US" smtClean="0"/>
-              <a:t>2025/6/17</a:t>
+              <a:t>2025/6/20</a:t>
             </a:fld>
             <a:endParaRPr kumimoji="1" lang="ja-JP" altLang="en-US"/>
           </a:p>
@@ -1571,7 +1571,7 @@
           <p:cNvPr id="6" name="フッター プレースホルダー 5">
             <a:extLst>
               <a:ext uri="{FF2B5EF4-FFF2-40B4-BE49-F238E27FC236}">
-                <a16:creationId xmlns:a16="http://schemas.microsoft.com/office/drawing/2014/main" id="{4993B3F8-F1FD-2DFD-12FF-6485C5E341D3}"/>
+                <a16:creationId xmlns:a16="http://schemas.microsoft.com/office/drawing/2014/main" id="{8D55B278-EB47-80C5-2D94-0066DFF082DC}"/>
               </a:ext>
             </a:extLst>
           </p:cNvPr>
@@ -1596,7 +1596,7 @@
           <p:cNvPr id="7" name="スライド番号プレースホルダー 6">
             <a:extLst>
               <a:ext uri="{FF2B5EF4-FFF2-40B4-BE49-F238E27FC236}">
-                <a16:creationId xmlns:a16="http://schemas.microsoft.com/office/drawing/2014/main" id="{22922289-3D70-3DEE-BACE-D8EBB903B8AD}"/>
+                <a16:creationId xmlns:a16="http://schemas.microsoft.com/office/drawing/2014/main" id="{7501512C-E72A-318B-97ED-71906B2FB659}"/>
               </a:ext>
             </a:extLst>
           </p:cNvPr>
@@ -1612,7 +1612,7 @@
           <a:bodyPr/>
           <a:lstStyle/>
           <a:p>
-            <a:fld id="{293411CC-6002-42BB-AF2C-7725BA7AC16D}" type="slidenum">
+            <a:fld id="{8C11412F-783C-46D4-8E3C-834E56C4CF11}" type="slidenum">
               <a:rPr kumimoji="1" lang="ja-JP" altLang="en-US" smtClean="0"/>
               <a:t>‹#›</a:t>
             </a:fld>
@@ -1623,7 +1623,7 @@
     </p:spTree>
     <p:extLst>
       <p:ext uri="{BB962C8B-B14F-4D97-AF65-F5344CB8AC3E}">
-        <p14:creationId xmlns:p14="http://schemas.microsoft.com/office/powerpoint/2010/main" val="3068915625"/>
+        <p14:creationId xmlns:p14="http://schemas.microsoft.com/office/powerpoint/2010/main" val="2465772481"/>
       </p:ext>
     </p:extLst>
   </p:cSld>
@@ -1655,7 +1655,7 @@
           <p:cNvPr id="2" name="タイトル 1">
             <a:extLst>
               <a:ext uri="{FF2B5EF4-FFF2-40B4-BE49-F238E27FC236}">
-                <a16:creationId xmlns:a16="http://schemas.microsoft.com/office/drawing/2014/main" id="{206877BF-F3DE-0ABD-F277-055ED3896278}"/>
+                <a16:creationId xmlns:a16="http://schemas.microsoft.com/office/drawing/2014/main" id="{874A5766-6078-DD70-B5C5-8EF0FD335699}"/>
               </a:ext>
             </a:extLst>
           </p:cNvPr>
@@ -1688,7 +1688,7 @@
           <p:cNvPr id="3" name="テキスト プレースホルダー 2">
             <a:extLst>
               <a:ext uri="{FF2B5EF4-FFF2-40B4-BE49-F238E27FC236}">
-                <a16:creationId xmlns:a16="http://schemas.microsoft.com/office/drawing/2014/main" id="{6B1D56C1-DEAB-FD6E-B41C-C076D987F2F7}"/>
+                <a16:creationId xmlns:a16="http://schemas.microsoft.com/office/drawing/2014/main" id="{D63AA726-5BEF-B85E-2B7E-7B6891A2EA50}"/>
               </a:ext>
             </a:extLst>
           </p:cNvPr>
@@ -1759,7 +1759,7 @@
           <p:cNvPr id="4" name="コンテンツ プレースホルダー 3">
             <a:extLst>
               <a:ext uri="{FF2B5EF4-FFF2-40B4-BE49-F238E27FC236}">
-                <a16:creationId xmlns:a16="http://schemas.microsoft.com/office/drawing/2014/main" id="{07D7BE79-1EE3-806C-286C-BB0C460F6F3B}"/>
+                <a16:creationId xmlns:a16="http://schemas.microsoft.com/office/drawing/2014/main" id="{94193FDD-8342-0E3A-D17F-97DBD83DB350}"/>
               </a:ext>
             </a:extLst>
           </p:cNvPr>
@@ -1853,7 +1853,7 @@
           <p:cNvPr id="5" name="テキスト プレースホルダー 4">
             <a:extLst>
               <a:ext uri="{FF2B5EF4-FFF2-40B4-BE49-F238E27FC236}">
-                <a16:creationId xmlns:a16="http://schemas.microsoft.com/office/drawing/2014/main" id="{E75D81C6-0E9A-B973-DD36-3CEC5D956734}"/>
+                <a16:creationId xmlns:a16="http://schemas.microsoft.com/office/drawing/2014/main" id="{41D59C2B-227F-57B8-A1E0-B5EC730649A0}"/>
               </a:ext>
             </a:extLst>
           </p:cNvPr>
@@ -1924,7 +1924,7 @@
           <p:cNvPr id="6" name="コンテンツ プレースホルダー 5">
             <a:extLst>
               <a:ext uri="{FF2B5EF4-FFF2-40B4-BE49-F238E27FC236}">
-                <a16:creationId xmlns:a16="http://schemas.microsoft.com/office/drawing/2014/main" id="{6AE4A458-6C8E-0514-4E48-C258D3C7034B}"/>
+                <a16:creationId xmlns:a16="http://schemas.microsoft.com/office/drawing/2014/main" id="{A72119FE-2C34-4CBB-B410-760D39AF6A6A}"/>
               </a:ext>
             </a:extLst>
           </p:cNvPr>
@@ -2018,7 +2018,7 @@
           <p:cNvPr id="7" name="日付プレースホルダー 6">
             <a:extLst>
               <a:ext uri="{FF2B5EF4-FFF2-40B4-BE49-F238E27FC236}">
-                <a16:creationId xmlns:a16="http://schemas.microsoft.com/office/drawing/2014/main" id="{A334BA99-322B-38C8-D58E-136FE38896CD}"/>
+                <a16:creationId xmlns:a16="http://schemas.microsoft.com/office/drawing/2014/main" id="{B802DBE7-B37C-DA20-5920-5874D2DB3D2F}"/>
               </a:ext>
             </a:extLst>
           </p:cNvPr>
@@ -2034,9 +2034,9 @@
           <a:bodyPr/>
           <a:lstStyle/>
           <a:p>
-            <a:fld id="{778D7887-9ACC-42A2-A6F2-847F47B3887B}" type="datetimeFigureOut">
+            <a:fld id="{252E7D99-42D8-45B1-82CF-6E50710AA797}" type="datetimeFigureOut">
               <a:rPr kumimoji="1" lang="ja-JP" altLang="en-US" smtClean="0"/>
-              <a:t>2025/6/17</a:t>
+              <a:t>2025/6/20</a:t>
             </a:fld>
             <a:endParaRPr kumimoji="1" lang="ja-JP" altLang="en-US"/>
           </a:p>
@@ -2047,7 +2047,7 @@
           <p:cNvPr id="8" name="フッター プレースホルダー 7">
             <a:extLst>
               <a:ext uri="{FF2B5EF4-FFF2-40B4-BE49-F238E27FC236}">
-                <a16:creationId xmlns:a16="http://schemas.microsoft.com/office/drawing/2014/main" id="{F4D25840-3FDA-B652-A957-637745196CFA}"/>
+                <a16:creationId xmlns:a16="http://schemas.microsoft.com/office/drawing/2014/main" id="{FA1BD6CA-CB12-5F19-3861-F8C9D4142625}"/>
               </a:ext>
             </a:extLst>
           </p:cNvPr>
@@ -2072,7 +2072,7 @@
           <p:cNvPr id="9" name="スライド番号プレースホルダー 8">
             <a:extLst>
               <a:ext uri="{FF2B5EF4-FFF2-40B4-BE49-F238E27FC236}">
-                <a16:creationId xmlns:a16="http://schemas.microsoft.com/office/drawing/2014/main" id="{9E3F5030-8AF8-BBFE-AEE2-162A096C6D1F}"/>
+                <a16:creationId xmlns:a16="http://schemas.microsoft.com/office/drawing/2014/main" id="{BAE9AEFA-A025-8B2D-9C73-4AB616D5A712}"/>
               </a:ext>
             </a:extLst>
           </p:cNvPr>
@@ -2088,7 +2088,7 @@
           <a:bodyPr/>
           <a:lstStyle/>
           <a:p>
-            <a:fld id="{293411CC-6002-42BB-AF2C-7725BA7AC16D}" type="slidenum">
+            <a:fld id="{8C11412F-783C-46D4-8E3C-834E56C4CF11}" type="slidenum">
               <a:rPr kumimoji="1" lang="ja-JP" altLang="en-US" smtClean="0"/>
               <a:t>‹#›</a:t>
             </a:fld>
@@ -2099,7 +2099,7 @@
     </p:spTree>
     <p:extLst>
       <p:ext uri="{BB962C8B-B14F-4D97-AF65-F5344CB8AC3E}">
-        <p14:creationId xmlns:p14="http://schemas.microsoft.com/office/powerpoint/2010/main" val="1613558932"/>
+        <p14:creationId xmlns:p14="http://schemas.microsoft.com/office/powerpoint/2010/main" val="1493161727"/>
       </p:ext>
     </p:extLst>
   </p:cSld>
@@ -2131,7 +2131,7 @@
           <p:cNvPr id="2" name="タイトル 1">
             <a:extLst>
               <a:ext uri="{FF2B5EF4-FFF2-40B4-BE49-F238E27FC236}">
-                <a16:creationId xmlns:a16="http://schemas.microsoft.com/office/drawing/2014/main" id="{A0D580F6-1C06-CB47-E78B-9C714A6FF250}"/>
+                <a16:creationId xmlns:a16="http://schemas.microsoft.com/office/drawing/2014/main" id="{F2EB2B45-D042-38A1-BD26-705A2799E714}"/>
               </a:ext>
             </a:extLst>
           </p:cNvPr>
@@ -2159,7 +2159,7 @@
           <p:cNvPr id="3" name="日付プレースホルダー 2">
             <a:extLst>
               <a:ext uri="{FF2B5EF4-FFF2-40B4-BE49-F238E27FC236}">
-                <a16:creationId xmlns:a16="http://schemas.microsoft.com/office/drawing/2014/main" id="{35E6C467-FC25-4F5D-E651-A490B974B0E8}"/>
+                <a16:creationId xmlns:a16="http://schemas.microsoft.com/office/drawing/2014/main" id="{1BA196D9-058A-992A-F238-47C26D4A6DFF}"/>
               </a:ext>
             </a:extLst>
           </p:cNvPr>
@@ -2175,9 +2175,9 @@
           <a:bodyPr/>
           <a:lstStyle/>
           <a:p>
-            <a:fld id="{778D7887-9ACC-42A2-A6F2-847F47B3887B}" type="datetimeFigureOut">
+            <a:fld id="{252E7D99-42D8-45B1-82CF-6E50710AA797}" type="datetimeFigureOut">
               <a:rPr kumimoji="1" lang="ja-JP" altLang="en-US" smtClean="0"/>
-              <a:t>2025/6/17</a:t>
+              <a:t>2025/6/20</a:t>
             </a:fld>
             <a:endParaRPr kumimoji="1" lang="ja-JP" altLang="en-US"/>
           </a:p>
@@ -2188,7 +2188,7 @@
           <p:cNvPr id="4" name="フッター プレースホルダー 3">
             <a:extLst>
               <a:ext uri="{FF2B5EF4-FFF2-40B4-BE49-F238E27FC236}">
-                <a16:creationId xmlns:a16="http://schemas.microsoft.com/office/drawing/2014/main" id="{6AA83930-D5A7-70F1-5C8E-2937CEB2E8C7}"/>
+                <a16:creationId xmlns:a16="http://schemas.microsoft.com/office/drawing/2014/main" id="{6A10321C-A5C7-8AED-F260-3350FADCAE08}"/>
               </a:ext>
             </a:extLst>
           </p:cNvPr>
@@ -2213,7 +2213,7 @@
           <p:cNvPr id="5" name="スライド番号プレースホルダー 4">
             <a:extLst>
               <a:ext uri="{FF2B5EF4-FFF2-40B4-BE49-F238E27FC236}">
-                <a16:creationId xmlns:a16="http://schemas.microsoft.com/office/drawing/2014/main" id="{E908C87F-A23E-1927-5928-3831F209EA68}"/>
+                <a16:creationId xmlns:a16="http://schemas.microsoft.com/office/drawing/2014/main" id="{5E9F8825-018A-48F0-EC08-B30337A31317}"/>
               </a:ext>
             </a:extLst>
           </p:cNvPr>
@@ -2229,7 +2229,7 @@
           <a:bodyPr/>
           <a:lstStyle/>
           <a:p>
-            <a:fld id="{293411CC-6002-42BB-AF2C-7725BA7AC16D}" type="slidenum">
+            <a:fld id="{8C11412F-783C-46D4-8E3C-834E56C4CF11}" type="slidenum">
               <a:rPr kumimoji="1" lang="ja-JP" altLang="en-US" smtClean="0"/>
               <a:t>‹#›</a:t>
             </a:fld>
@@ -2240,7 +2240,7 @@
     </p:spTree>
     <p:extLst>
       <p:ext uri="{BB962C8B-B14F-4D97-AF65-F5344CB8AC3E}">
-        <p14:creationId xmlns:p14="http://schemas.microsoft.com/office/powerpoint/2010/main" val="3212524190"/>
+        <p14:creationId xmlns:p14="http://schemas.microsoft.com/office/powerpoint/2010/main" val="3688521775"/>
       </p:ext>
     </p:extLst>
   </p:cSld>
@@ -2272,7 +2272,7 @@
           <p:cNvPr id="2" name="日付プレースホルダー 1">
             <a:extLst>
               <a:ext uri="{FF2B5EF4-FFF2-40B4-BE49-F238E27FC236}">
-                <a16:creationId xmlns:a16="http://schemas.microsoft.com/office/drawing/2014/main" id="{9942E75F-8EB8-8DF2-384E-4582602B9812}"/>
+                <a16:creationId xmlns:a16="http://schemas.microsoft.com/office/drawing/2014/main" id="{0D55C382-6BEF-8A68-2885-D4656D8C0049}"/>
               </a:ext>
             </a:extLst>
           </p:cNvPr>
@@ -2288,9 +2288,9 @@
           <a:bodyPr/>
           <a:lstStyle/>
           <a:p>
-            <a:fld id="{778D7887-9ACC-42A2-A6F2-847F47B3887B}" type="datetimeFigureOut">
+            <a:fld id="{252E7D99-42D8-45B1-82CF-6E50710AA797}" type="datetimeFigureOut">
               <a:rPr kumimoji="1" lang="ja-JP" altLang="en-US" smtClean="0"/>
-              <a:t>2025/6/17</a:t>
+              <a:t>2025/6/20</a:t>
             </a:fld>
             <a:endParaRPr kumimoji="1" lang="ja-JP" altLang="en-US"/>
           </a:p>
@@ -2301,7 +2301,7 @@
           <p:cNvPr id="3" name="フッター プレースホルダー 2">
             <a:extLst>
               <a:ext uri="{FF2B5EF4-FFF2-40B4-BE49-F238E27FC236}">
-                <a16:creationId xmlns:a16="http://schemas.microsoft.com/office/drawing/2014/main" id="{E8FC683C-9767-DE7F-0CD4-7F82F47E8F69}"/>
+                <a16:creationId xmlns:a16="http://schemas.microsoft.com/office/drawing/2014/main" id="{486C7E68-F43A-7637-A818-55B4B72AB4CE}"/>
               </a:ext>
             </a:extLst>
           </p:cNvPr>
@@ -2326,7 +2326,7 @@
           <p:cNvPr id="4" name="スライド番号プレースホルダー 3">
             <a:extLst>
               <a:ext uri="{FF2B5EF4-FFF2-40B4-BE49-F238E27FC236}">
-                <a16:creationId xmlns:a16="http://schemas.microsoft.com/office/drawing/2014/main" id="{79944B72-23F3-BB1E-6D40-F1C533CA6136}"/>
+                <a16:creationId xmlns:a16="http://schemas.microsoft.com/office/drawing/2014/main" id="{4DB53362-B1E6-CEB6-798F-6B7AB0A06C16}"/>
               </a:ext>
             </a:extLst>
           </p:cNvPr>
@@ -2342,7 +2342,7 @@
           <a:bodyPr/>
           <a:lstStyle/>
           <a:p>
-            <a:fld id="{293411CC-6002-42BB-AF2C-7725BA7AC16D}" type="slidenum">
+            <a:fld id="{8C11412F-783C-46D4-8E3C-834E56C4CF11}" type="slidenum">
               <a:rPr kumimoji="1" lang="ja-JP" altLang="en-US" smtClean="0"/>
               <a:t>‹#›</a:t>
             </a:fld>
@@ -2353,7 +2353,7 @@
     </p:spTree>
     <p:extLst>
       <p:ext uri="{BB962C8B-B14F-4D97-AF65-F5344CB8AC3E}">
-        <p14:creationId xmlns:p14="http://schemas.microsoft.com/office/powerpoint/2010/main" val="150975520"/>
+        <p14:creationId xmlns:p14="http://schemas.microsoft.com/office/powerpoint/2010/main" val="136078488"/>
       </p:ext>
     </p:extLst>
   </p:cSld>
@@ -2385,7 +2385,7 @@
           <p:cNvPr id="2" name="タイトル 1">
             <a:extLst>
               <a:ext uri="{FF2B5EF4-FFF2-40B4-BE49-F238E27FC236}">
-                <a16:creationId xmlns:a16="http://schemas.microsoft.com/office/drawing/2014/main" id="{8A3706B8-9502-440B-3672-ADF2275273EB}"/>
+                <a16:creationId xmlns:a16="http://schemas.microsoft.com/office/drawing/2014/main" id="{637B0BE5-4E64-BC74-E4C9-6731EF5AA628}"/>
               </a:ext>
             </a:extLst>
           </p:cNvPr>
@@ -2422,7 +2422,7 @@
           <p:cNvPr id="3" name="コンテンツ プレースホルダー 2">
             <a:extLst>
               <a:ext uri="{FF2B5EF4-FFF2-40B4-BE49-F238E27FC236}">
-                <a16:creationId xmlns:a16="http://schemas.microsoft.com/office/drawing/2014/main" id="{A8AC0D32-98E7-E1A2-0F26-3895DA92BF39}"/>
+                <a16:creationId xmlns:a16="http://schemas.microsoft.com/office/drawing/2014/main" id="{027F9041-F62C-077C-C661-963CC10D524D}"/>
               </a:ext>
             </a:extLst>
           </p:cNvPr>
@@ -2544,7 +2544,7 @@
           <p:cNvPr id="4" name="テキスト プレースホルダー 3">
             <a:extLst>
               <a:ext uri="{FF2B5EF4-FFF2-40B4-BE49-F238E27FC236}">
-                <a16:creationId xmlns:a16="http://schemas.microsoft.com/office/drawing/2014/main" id="{610214C5-6704-61DB-C3D0-A832BA82DF60}"/>
+                <a16:creationId xmlns:a16="http://schemas.microsoft.com/office/drawing/2014/main" id="{B8E3A86D-FC52-3DA2-457D-26F7DBFA676F}"/>
               </a:ext>
             </a:extLst>
           </p:cNvPr>
@@ -2615,7 +2615,7 @@
           <p:cNvPr id="5" name="日付プレースホルダー 4">
             <a:extLst>
               <a:ext uri="{FF2B5EF4-FFF2-40B4-BE49-F238E27FC236}">
-                <a16:creationId xmlns:a16="http://schemas.microsoft.com/office/drawing/2014/main" id="{78D771CA-E25C-BC06-7C26-03CE8D7CA62D}"/>
+                <a16:creationId xmlns:a16="http://schemas.microsoft.com/office/drawing/2014/main" id="{020BC3A7-A6BC-D5C4-2F37-086DEEBA1D62}"/>
               </a:ext>
             </a:extLst>
           </p:cNvPr>
@@ -2631,9 +2631,9 @@
           <a:bodyPr/>
           <a:lstStyle/>
           <a:p>
-            <a:fld id="{778D7887-9ACC-42A2-A6F2-847F47B3887B}" type="datetimeFigureOut">
+            <a:fld id="{252E7D99-42D8-45B1-82CF-6E50710AA797}" type="datetimeFigureOut">
               <a:rPr kumimoji="1" lang="ja-JP" altLang="en-US" smtClean="0"/>
-              <a:t>2025/6/17</a:t>
+              <a:t>2025/6/20</a:t>
             </a:fld>
             <a:endParaRPr kumimoji="1" lang="ja-JP" altLang="en-US"/>
           </a:p>
@@ -2644,7 +2644,7 @@
           <p:cNvPr id="6" name="フッター プレースホルダー 5">
             <a:extLst>
               <a:ext uri="{FF2B5EF4-FFF2-40B4-BE49-F238E27FC236}">
-                <a16:creationId xmlns:a16="http://schemas.microsoft.com/office/drawing/2014/main" id="{6F9C3809-7C5A-F29A-2435-DF35C53B8E19}"/>
+                <a16:creationId xmlns:a16="http://schemas.microsoft.com/office/drawing/2014/main" id="{A3EBE841-A703-A7AB-5CED-438728202787}"/>
               </a:ext>
             </a:extLst>
           </p:cNvPr>
@@ -2669,7 +2669,7 @@
           <p:cNvPr id="7" name="スライド番号プレースホルダー 6">
             <a:extLst>
               <a:ext uri="{FF2B5EF4-FFF2-40B4-BE49-F238E27FC236}">
-                <a16:creationId xmlns:a16="http://schemas.microsoft.com/office/drawing/2014/main" id="{CA86917A-3837-A2EC-E4EE-47148A1A5A6A}"/>
+                <a16:creationId xmlns:a16="http://schemas.microsoft.com/office/drawing/2014/main" id="{24D4F256-7601-8043-DBF5-5509733A4570}"/>
               </a:ext>
             </a:extLst>
           </p:cNvPr>
@@ -2685,7 +2685,7 @@
           <a:bodyPr/>
           <a:lstStyle/>
           <a:p>
-            <a:fld id="{293411CC-6002-42BB-AF2C-7725BA7AC16D}" type="slidenum">
+            <a:fld id="{8C11412F-783C-46D4-8E3C-834E56C4CF11}" type="slidenum">
               <a:rPr kumimoji="1" lang="ja-JP" altLang="en-US" smtClean="0"/>
               <a:t>‹#›</a:t>
             </a:fld>
@@ -2696,7 +2696,7 @@
     </p:spTree>
     <p:extLst>
       <p:ext uri="{BB962C8B-B14F-4D97-AF65-F5344CB8AC3E}">
-        <p14:creationId xmlns:p14="http://schemas.microsoft.com/office/powerpoint/2010/main" val="2540053432"/>
+        <p14:creationId xmlns:p14="http://schemas.microsoft.com/office/powerpoint/2010/main" val="367368634"/>
       </p:ext>
     </p:extLst>
   </p:cSld>
@@ -2728,7 +2728,7 @@
           <p:cNvPr id="2" name="タイトル 1">
             <a:extLst>
               <a:ext uri="{FF2B5EF4-FFF2-40B4-BE49-F238E27FC236}">
-                <a16:creationId xmlns:a16="http://schemas.microsoft.com/office/drawing/2014/main" id="{06766435-93D4-88EC-C488-C2C20AEB8CD9}"/>
+                <a16:creationId xmlns:a16="http://schemas.microsoft.com/office/drawing/2014/main" id="{C87A4ED2-A3F6-D987-6217-18A610F2BB5E}"/>
               </a:ext>
             </a:extLst>
           </p:cNvPr>
@@ -2765,7 +2765,7 @@
           <p:cNvPr id="3" name="図プレースホルダー 2">
             <a:extLst>
               <a:ext uri="{FF2B5EF4-FFF2-40B4-BE49-F238E27FC236}">
-                <a16:creationId xmlns:a16="http://schemas.microsoft.com/office/drawing/2014/main" id="{B6DE7779-C48A-4225-5FDB-6219B082D0B1}"/>
+                <a16:creationId xmlns:a16="http://schemas.microsoft.com/office/drawing/2014/main" id="{EA12EF68-B5F3-9912-93DD-C93C16BAAE58}"/>
               </a:ext>
             </a:extLst>
           </p:cNvPr>
@@ -2832,7 +2832,7 @@
           <p:cNvPr id="4" name="テキスト プレースホルダー 3">
             <a:extLst>
               <a:ext uri="{FF2B5EF4-FFF2-40B4-BE49-F238E27FC236}">
-                <a16:creationId xmlns:a16="http://schemas.microsoft.com/office/drawing/2014/main" id="{C94F7B70-8307-5FF5-9892-947DA3C29E90}"/>
+                <a16:creationId xmlns:a16="http://schemas.microsoft.com/office/drawing/2014/main" id="{EF5D979E-3339-C773-4C98-6847E48F03ED}"/>
               </a:ext>
             </a:extLst>
           </p:cNvPr>
@@ -2903,7 +2903,7 @@
           <p:cNvPr id="5" name="日付プレースホルダー 4">
             <a:extLst>
               <a:ext uri="{FF2B5EF4-FFF2-40B4-BE49-F238E27FC236}">
-                <a16:creationId xmlns:a16="http://schemas.microsoft.com/office/drawing/2014/main" id="{937B5F41-F0E9-112E-9B8D-73B947F1C874}"/>
+                <a16:creationId xmlns:a16="http://schemas.microsoft.com/office/drawing/2014/main" id="{1FBC1369-EFFF-74A7-2836-6CBB7069A148}"/>
               </a:ext>
             </a:extLst>
           </p:cNvPr>
@@ -2919,9 +2919,9 @@
           <a:bodyPr/>
           <a:lstStyle/>
           <a:p>
-            <a:fld id="{778D7887-9ACC-42A2-A6F2-847F47B3887B}" type="datetimeFigureOut">
+            <a:fld id="{252E7D99-42D8-45B1-82CF-6E50710AA797}" type="datetimeFigureOut">
               <a:rPr kumimoji="1" lang="ja-JP" altLang="en-US" smtClean="0"/>
-              <a:t>2025/6/17</a:t>
+              <a:t>2025/6/20</a:t>
             </a:fld>
             <a:endParaRPr kumimoji="1" lang="ja-JP" altLang="en-US"/>
           </a:p>
@@ -2932,7 +2932,7 @@
           <p:cNvPr id="6" name="フッター プレースホルダー 5">
             <a:extLst>
               <a:ext uri="{FF2B5EF4-FFF2-40B4-BE49-F238E27FC236}">
-                <a16:creationId xmlns:a16="http://schemas.microsoft.com/office/drawing/2014/main" id="{AE0D3341-4763-F8AA-BCB6-5CED21AB64A7}"/>
+                <a16:creationId xmlns:a16="http://schemas.microsoft.com/office/drawing/2014/main" id="{322603F3-9FD8-95AB-B354-C9F4A15FEDBA}"/>
               </a:ext>
             </a:extLst>
           </p:cNvPr>
@@ -2957,7 +2957,7 @@
           <p:cNvPr id="7" name="スライド番号プレースホルダー 6">
             <a:extLst>
               <a:ext uri="{FF2B5EF4-FFF2-40B4-BE49-F238E27FC236}">
-                <a16:creationId xmlns:a16="http://schemas.microsoft.com/office/drawing/2014/main" id="{C1BBFEE3-F5E4-1838-F554-3753C0A463CD}"/>
+                <a16:creationId xmlns:a16="http://schemas.microsoft.com/office/drawing/2014/main" id="{9D1DA4CA-BB6D-786F-6A4A-6CBEFE764029}"/>
               </a:ext>
             </a:extLst>
           </p:cNvPr>
@@ -2973,7 +2973,7 @@
           <a:bodyPr/>
           <a:lstStyle/>
           <a:p>
-            <a:fld id="{293411CC-6002-42BB-AF2C-7725BA7AC16D}" type="slidenum">
+            <a:fld id="{8C11412F-783C-46D4-8E3C-834E56C4CF11}" type="slidenum">
               <a:rPr kumimoji="1" lang="ja-JP" altLang="en-US" smtClean="0"/>
               <a:t>‹#›</a:t>
             </a:fld>
@@ -2984,7 +2984,7 @@
     </p:spTree>
     <p:extLst>
       <p:ext uri="{BB962C8B-B14F-4D97-AF65-F5344CB8AC3E}">
-        <p14:creationId xmlns:p14="http://schemas.microsoft.com/office/powerpoint/2010/main" val="1040636117"/>
+        <p14:creationId xmlns:p14="http://schemas.microsoft.com/office/powerpoint/2010/main" val="362950424"/>
       </p:ext>
     </p:extLst>
   </p:cSld>
@@ -3021,7 +3021,7 @@
           <p:cNvPr id="2" name="タイトル プレースホルダー 1">
             <a:extLst>
               <a:ext uri="{FF2B5EF4-FFF2-40B4-BE49-F238E27FC236}">
-                <a16:creationId xmlns:a16="http://schemas.microsoft.com/office/drawing/2014/main" id="{F19D7C75-2B45-113A-39CD-6DDB1AD8588D}"/>
+                <a16:creationId xmlns:a16="http://schemas.microsoft.com/office/drawing/2014/main" id="{C52C4DCA-BA82-0176-5BF0-CA3D6384DF63}"/>
               </a:ext>
             </a:extLst>
           </p:cNvPr>
@@ -3059,7 +3059,7 @@
           <p:cNvPr id="3" name="テキスト プレースホルダー 2">
             <a:extLst>
               <a:ext uri="{FF2B5EF4-FFF2-40B4-BE49-F238E27FC236}">
-                <a16:creationId xmlns:a16="http://schemas.microsoft.com/office/drawing/2014/main" id="{445ABC41-95E1-2A09-032C-4FF35E6BBE26}"/>
+                <a16:creationId xmlns:a16="http://schemas.microsoft.com/office/drawing/2014/main" id="{762B34E9-9E0E-B60B-1B66-3C3080FD4079}"/>
               </a:ext>
             </a:extLst>
           </p:cNvPr>
@@ -3158,7 +3158,7 @@
           <p:cNvPr id="4" name="日付プレースホルダー 3">
             <a:extLst>
               <a:ext uri="{FF2B5EF4-FFF2-40B4-BE49-F238E27FC236}">
-                <a16:creationId xmlns:a16="http://schemas.microsoft.com/office/drawing/2014/main" id="{0464BB73-D9A4-725A-BC1C-BF99954DA45A}"/>
+                <a16:creationId xmlns:a16="http://schemas.microsoft.com/office/drawing/2014/main" id="{59BC72F4-29C7-9346-F908-125253D3B7B4}"/>
               </a:ext>
             </a:extLst>
           </p:cNvPr>
@@ -3192,9 +3192,9 @@
             </a:lvl1pPr>
           </a:lstStyle>
           <a:p>
-            <a:fld id="{778D7887-9ACC-42A2-A6F2-847F47B3887B}" type="datetimeFigureOut">
+            <a:fld id="{252E7D99-42D8-45B1-82CF-6E50710AA797}" type="datetimeFigureOut">
               <a:rPr kumimoji="1" lang="ja-JP" altLang="en-US" smtClean="0"/>
-              <a:t>2025/6/17</a:t>
+              <a:t>2025/6/20</a:t>
             </a:fld>
             <a:endParaRPr kumimoji="1" lang="ja-JP" altLang="en-US"/>
           </a:p>
@@ -3205,7 +3205,7 @@
           <p:cNvPr id="5" name="フッター プレースホルダー 4">
             <a:extLst>
               <a:ext uri="{FF2B5EF4-FFF2-40B4-BE49-F238E27FC236}">
-                <a16:creationId xmlns:a16="http://schemas.microsoft.com/office/drawing/2014/main" id="{F072DA2D-B9B4-C3D7-FB2F-0BB83DEEBC26}"/>
+                <a16:creationId xmlns:a16="http://schemas.microsoft.com/office/drawing/2014/main" id="{C65D270D-178D-D055-DCDF-11C60C174FF8}"/>
               </a:ext>
             </a:extLst>
           </p:cNvPr>
@@ -3248,7 +3248,7 @@
           <p:cNvPr id="6" name="スライド番号プレースホルダー 5">
             <a:extLst>
               <a:ext uri="{FF2B5EF4-FFF2-40B4-BE49-F238E27FC236}">
-                <a16:creationId xmlns:a16="http://schemas.microsoft.com/office/drawing/2014/main" id="{B0414912-C1AA-79D2-2590-0711CD67A268}"/>
+                <a16:creationId xmlns:a16="http://schemas.microsoft.com/office/drawing/2014/main" id="{AE8DC44F-E1AD-F9C7-4AD0-0975D19B343B}"/>
               </a:ext>
             </a:extLst>
           </p:cNvPr>
@@ -3282,7 +3282,7 @@
             </a:lvl1pPr>
           </a:lstStyle>
           <a:p>
-            <a:fld id="{293411CC-6002-42BB-AF2C-7725BA7AC16D}" type="slidenum">
+            <a:fld id="{8C11412F-783C-46D4-8E3C-834E56C4CF11}" type="slidenum">
               <a:rPr kumimoji="1" lang="ja-JP" altLang="en-US" smtClean="0"/>
               <a:t>‹#›</a:t>
             </a:fld>
@@ -3293,7 +3293,7 @@
     </p:spTree>
     <p:extLst>
       <p:ext uri="{BB962C8B-B14F-4D97-AF65-F5344CB8AC3E}">
-        <p14:creationId xmlns:p14="http://schemas.microsoft.com/office/powerpoint/2010/main" val="4162126364"/>
+        <p14:creationId xmlns:p14="http://schemas.microsoft.com/office/powerpoint/2010/main" val="3955543562"/>
       </p:ext>
     </p:extLst>
   </p:cSld>
@@ -3641,9 +3641,10 @@
               <a:t>14_</a:t>
             </a:r>
             <a:r>
-              <a:rPr kumimoji="1" lang="ja-JP" altLang="en-US" dirty="0"/>
+              <a:rPr lang="ja-JP" altLang="en-US" dirty="0"/>
               <a:t>課題①</a:t>
             </a:r>
+            <a:endParaRPr kumimoji="1" lang="ja-JP" altLang="en-US" dirty="0"/>
           </a:p>
         </p:txBody>
       </p:sp>
